--- a/papers/IVA/graphs/graphe(v2).pptx
+++ b/papers/IVA/graphs/graphe(v2).pptx
@@ -112,6 +112,10 @@
 </p:presentation>
 </file>
 
+<file path=ppt/revisionInfo.xml><?xml version="1.0" encoding="utf-8"?>
+<p1510:revInfo xmlns:a="http://schemas.openxmlformats.org/drawingml/2006/main" xmlns:r="http://schemas.openxmlformats.org/officeDocument/2006/relationships" xmlns:p1510="http://schemas.microsoft.com/office/powerpoint/2015/10/main"/>
+</file>
+
 <file path=ppt/slideLayouts/slideLayout1.xml><?xml version="1.0" encoding="utf-8"?>
 <p:sldLayout xmlns:a="http://schemas.openxmlformats.org/drawingml/2006/main" xmlns:r="http://schemas.openxmlformats.org/officeDocument/2006/relationships" xmlns:p="http://schemas.openxmlformats.org/presentationml/2006/main" type="title" preserve="1">
   <p:cSld name="Diapositive de titre">
@@ -241,7 +245,7 @@
           <a:p>
             <a:fld id="{D6564281-DC97-445F-836C-4F70F6BF1CE4}" type="datetimeFigureOut">
               <a:rPr lang="fr-FR" smtClean="0"/>
-              <a:t>17/04/2017</a:t>
+              <a:t>23/09/2017</a:t>
             </a:fld>
             <a:endParaRPr lang="fr-FR"/>
           </a:p>
@@ -409,7 +413,7 @@
           <a:p>
             <a:fld id="{D6564281-DC97-445F-836C-4F70F6BF1CE4}" type="datetimeFigureOut">
               <a:rPr lang="fr-FR" smtClean="0"/>
-              <a:t>17/04/2017</a:t>
+              <a:t>23/09/2017</a:t>
             </a:fld>
             <a:endParaRPr lang="fr-FR"/>
           </a:p>
@@ -587,7 +591,7 @@
           <a:p>
             <a:fld id="{D6564281-DC97-445F-836C-4F70F6BF1CE4}" type="datetimeFigureOut">
               <a:rPr lang="fr-FR" smtClean="0"/>
-              <a:t>17/04/2017</a:t>
+              <a:t>23/09/2017</a:t>
             </a:fld>
             <a:endParaRPr lang="fr-FR"/>
           </a:p>
@@ -755,7 +759,7 @@
           <a:p>
             <a:fld id="{D6564281-DC97-445F-836C-4F70F6BF1CE4}" type="datetimeFigureOut">
               <a:rPr lang="fr-FR" smtClean="0"/>
-              <a:t>17/04/2017</a:t>
+              <a:t>23/09/2017</a:t>
             </a:fld>
             <a:endParaRPr lang="fr-FR"/>
           </a:p>
@@ -1000,7 +1004,7 @@
           <a:p>
             <a:fld id="{D6564281-DC97-445F-836C-4F70F6BF1CE4}" type="datetimeFigureOut">
               <a:rPr lang="fr-FR" smtClean="0"/>
-              <a:t>17/04/2017</a:t>
+              <a:t>23/09/2017</a:t>
             </a:fld>
             <a:endParaRPr lang="fr-FR"/>
           </a:p>
@@ -1229,7 +1233,7 @@
           <a:p>
             <a:fld id="{D6564281-DC97-445F-836C-4F70F6BF1CE4}" type="datetimeFigureOut">
               <a:rPr lang="fr-FR" smtClean="0"/>
-              <a:t>17/04/2017</a:t>
+              <a:t>23/09/2017</a:t>
             </a:fld>
             <a:endParaRPr lang="fr-FR"/>
           </a:p>
@@ -1593,7 +1597,7 @@
           <a:p>
             <a:fld id="{D6564281-DC97-445F-836C-4F70F6BF1CE4}" type="datetimeFigureOut">
               <a:rPr lang="fr-FR" smtClean="0"/>
-              <a:t>17/04/2017</a:t>
+              <a:t>23/09/2017</a:t>
             </a:fld>
             <a:endParaRPr lang="fr-FR"/>
           </a:p>
@@ -1710,7 +1714,7 @@
           <a:p>
             <a:fld id="{D6564281-DC97-445F-836C-4F70F6BF1CE4}" type="datetimeFigureOut">
               <a:rPr lang="fr-FR" smtClean="0"/>
-              <a:t>17/04/2017</a:t>
+              <a:t>23/09/2017</a:t>
             </a:fld>
             <a:endParaRPr lang="fr-FR"/>
           </a:p>
@@ -1805,7 +1809,7 @@
           <a:p>
             <a:fld id="{D6564281-DC97-445F-836C-4F70F6BF1CE4}" type="datetimeFigureOut">
               <a:rPr lang="fr-FR" smtClean="0"/>
-              <a:t>17/04/2017</a:t>
+              <a:t>23/09/2017</a:t>
             </a:fld>
             <a:endParaRPr lang="fr-FR"/>
           </a:p>
@@ -2080,7 +2084,7 @@
           <a:p>
             <a:fld id="{D6564281-DC97-445F-836C-4F70F6BF1CE4}" type="datetimeFigureOut">
               <a:rPr lang="fr-FR" smtClean="0"/>
-              <a:t>17/04/2017</a:t>
+              <a:t>23/09/2017</a:t>
             </a:fld>
             <a:endParaRPr lang="fr-FR"/>
           </a:p>
@@ -2332,7 +2336,7 @@
           <a:p>
             <a:fld id="{D6564281-DC97-445F-836C-4F70F6BF1CE4}" type="datetimeFigureOut">
               <a:rPr lang="fr-FR" smtClean="0"/>
-              <a:t>17/04/2017</a:t>
+              <a:t>23/09/2017</a:t>
             </a:fld>
             <a:endParaRPr lang="fr-FR"/>
           </a:p>
@@ -2543,7 +2547,7 @@
           <a:p>
             <a:fld id="{D6564281-DC97-445F-836C-4F70F6BF1CE4}" type="datetimeFigureOut">
               <a:rPr lang="fr-FR" smtClean="0"/>
-              <a:t>17/04/2017</a:t>
+              <a:t>23/09/2017</a:t>
             </a:fld>
             <a:endParaRPr lang="fr-FR"/>
           </a:p>
@@ -2953,14 +2957,13 @@
           <p:cNvPr id="9" name="Connecteur droit avec flèche 8"/>
           <p:cNvCxnSpPr>
             <a:cxnSpLocks/>
-            <a:endCxn id="37" idx="3"/>
           </p:cNvCxnSpPr>
           <p:nvPr/>
         </p:nvCxnSpPr>
         <p:spPr>
           <a:xfrm flipV="1">
-            <a:off x="2177067" y="992656"/>
-            <a:ext cx="0" cy="4490811"/>
+            <a:off x="2170937" y="1080476"/>
+            <a:ext cx="0" cy="4419432"/>
           </a:xfrm>
           <a:prstGeom prst="straightConnector1">
             <a:avLst/>
@@ -3120,95 +3123,6 @@
           </p:style>
         </p:cxnSp>
       </p:grpSp>
-      <p:grpSp>
-        <p:nvGrpSpPr>
-          <p:cNvPr id="32" name="Groupe 31"/>
-          <p:cNvGrpSpPr/>
-          <p:nvPr/>
-        </p:nvGrpSpPr>
-        <p:grpSpPr>
-          <a:xfrm>
-            <a:off x="2177067" y="2889499"/>
-            <a:ext cx="4187992" cy="2585326"/>
-            <a:chOff x="1741993" y="1788456"/>
-            <a:chExt cx="3994199" cy="2735956"/>
-          </a:xfrm>
-        </p:grpSpPr>
-        <p:cxnSp>
-          <p:nvCxnSpPr>
-            <p:cNvPr id="33" name="Connecteur droit 32"/>
-            <p:cNvCxnSpPr>
-              <a:cxnSpLocks/>
-            </p:cNvCxnSpPr>
-            <p:nvPr/>
-          </p:nvCxnSpPr>
-          <p:spPr>
-            <a:xfrm>
-              <a:off x="1741993" y="1788456"/>
-              <a:ext cx="2440071" cy="0"/>
-            </a:xfrm>
-            <a:prstGeom prst="line">
-              <a:avLst/>
-            </a:prstGeom>
-            <a:ln w="38100">
-              <a:solidFill>
-                <a:schemeClr val="accent2"/>
-              </a:solidFill>
-            </a:ln>
-          </p:spPr>
-          <p:style>
-            <a:lnRef idx="1">
-              <a:schemeClr val="accent1"/>
-            </a:lnRef>
-            <a:fillRef idx="0">
-              <a:schemeClr val="accent1"/>
-            </a:fillRef>
-            <a:effectRef idx="0">
-              <a:schemeClr val="accent1"/>
-            </a:effectRef>
-            <a:fontRef idx="minor">
-              <a:schemeClr val="tx1"/>
-            </a:fontRef>
-          </p:style>
-        </p:cxnSp>
-        <p:cxnSp>
-          <p:nvCxnSpPr>
-            <p:cNvPr id="34" name="Connecteur droit 33"/>
-            <p:cNvCxnSpPr>
-              <a:cxnSpLocks/>
-            </p:cNvCxnSpPr>
-            <p:nvPr/>
-          </p:nvCxnSpPr>
-          <p:spPr>
-            <a:xfrm>
-              <a:off x="4182064" y="1788456"/>
-              <a:ext cx="1554128" cy="2735956"/>
-            </a:xfrm>
-            <a:prstGeom prst="line">
-              <a:avLst/>
-            </a:prstGeom>
-            <a:ln w="38100">
-              <a:solidFill>
-                <a:schemeClr val="accent2"/>
-              </a:solidFill>
-            </a:ln>
-          </p:spPr>
-          <p:style>
-            <a:lnRef idx="1">
-              <a:schemeClr val="accent1"/>
-            </a:lnRef>
-            <a:fillRef idx="0">
-              <a:schemeClr val="accent1"/>
-            </a:fillRef>
-            <a:effectRef idx="0">
-              <a:schemeClr val="accent1"/>
-            </a:effectRef>
-            <a:fontRef idx="minor">
-              <a:schemeClr val="tx1"/>
-            </a:fontRef>
-          </p:style>
-        </p:cxnSp>
-      </p:grpSp>
       <p:sp>
         <p:nvSpPr>
           <p:cNvPr id="36" name="ZoneTexte 35"/>
@@ -3255,7 +3169,7 @@
         </p:nvSpPr>
         <p:spPr>
           <a:xfrm>
-            <a:off x="66368" y="700268"/>
+            <a:off x="640729" y="414323"/>
             <a:ext cx="2110699" cy="584775"/>
           </a:xfrm>
           <a:prstGeom prst="rect">
@@ -3410,58 +3324,10 @@
           </a:lstStyle>
           <a:p>
             <a:r>
-              <a:rPr lang="fr-FR" dirty="0" err="1"/>
+              <a:rPr lang="fr-FR" b="1" dirty="0" err="1"/>
               <a:t>pow</a:t>
             </a:r>
-            <a:r>
-              <a:rPr lang="fr-FR" baseline="-25000" dirty="0" err="1"/>
-              <a:t>A</a:t>
-            </a:r>
-            <a:endParaRPr lang="fr-FR" dirty="0"/>
-          </a:p>
-        </p:txBody>
-      </p:sp>
-      <p:sp>
-        <p:nvSpPr>
-          <p:cNvPr id="29" name="ZoneTexte 28"/>
-          <p:cNvSpPr txBox="1"/>
-          <p:nvPr/>
-        </p:nvSpPr>
-        <p:spPr>
-          <a:xfrm>
-            <a:off x="2170937" y="2275599"/>
-            <a:ext cx="1160982" cy="584775"/>
-          </a:xfrm>
-          <a:prstGeom prst="rect">
-            <a:avLst/>
-          </a:prstGeom>
-          <a:noFill/>
-        </p:spPr>
-        <p:txBody>
-          <a:bodyPr wrap="square" rtlCol="0">
-            <a:spAutoFit/>
-          </a:bodyPr>
-          <a:lstStyle>
-            <a:defPPr>
-              <a:defRPr lang="fr-FR"/>
-            </a:defPPr>
-            <a:lvl1pPr>
-              <a:defRPr sz="3200" b="0">
-                <a:latin typeface="Cambria Math" panose="02040503050406030204" pitchFamily="18" charset="0"/>
-                <a:ea typeface="Cambria Math" panose="02040503050406030204" pitchFamily="18" charset="0"/>
-              </a:defRPr>
-            </a:lvl1pPr>
-          </a:lstStyle>
-          <a:p>
-            <a:r>
-              <a:rPr lang="fr-FR" dirty="0" err="1"/>
-              <a:t>pow</a:t>
-            </a:r>
-            <a:r>
-              <a:rPr lang="fr-FR" baseline="-25000" dirty="0" err="1"/>
-              <a:t>B</a:t>
-            </a:r>
-            <a:endParaRPr lang="fr-FR" dirty="0"/>
+            <a:endParaRPr lang="fr-FR" b="1" dirty="0"/>
           </a:p>
         </p:txBody>
       </p:sp>

--- a/papers/IVA/graphs/graphe(v2).pptx
+++ b/papers/IVA/graphs/graphe(v2).pptx
@@ -6,6 +6,7 @@
   </p:sldMasterIdLst>
   <p:sldIdLst>
     <p:sldId id="256" r:id="rId2"/>
+    <p:sldId id="257" r:id="rId3"/>
   </p:sldIdLst>
   <p:sldSz cx="12192000" cy="6858000"/>
   <p:notesSz cx="6858000" cy="9144000"/>
@@ -245,7 +246,7 @@
           <a:p>
             <a:fld id="{D6564281-DC97-445F-836C-4F70F6BF1CE4}" type="datetimeFigureOut">
               <a:rPr lang="fr-FR" smtClean="0"/>
-              <a:t>23/09/2017</a:t>
+              <a:t>30/01/2018</a:t>
             </a:fld>
             <a:endParaRPr lang="fr-FR"/>
           </a:p>
@@ -413,7 +414,7 @@
           <a:p>
             <a:fld id="{D6564281-DC97-445F-836C-4F70F6BF1CE4}" type="datetimeFigureOut">
               <a:rPr lang="fr-FR" smtClean="0"/>
-              <a:t>23/09/2017</a:t>
+              <a:t>30/01/2018</a:t>
             </a:fld>
             <a:endParaRPr lang="fr-FR"/>
           </a:p>
@@ -591,7 +592,7 @@
           <a:p>
             <a:fld id="{D6564281-DC97-445F-836C-4F70F6BF1CE4}" type="datetimeFigureOut">
               <a:rPr lang="fr-FR" smtClean="0"/>
-              <a:t>23/09/2017</a:t>
+              <a:t>30/01/2018</a:t>
             </a:fld>
             <a:endParaRPr lang="fr-FR"/>
           </a:p>
@@ -759,7 +760,7 @@
           <a:p>
             <a:fld id="{D6564281-DC97-445F-836C-4F70F6BF1CE4}" type="datetimeFigureOut">
               <a:rPr lang="fr-FR" smtClean="0"/>
-              <a:t>23/09/2017</a:t>
+              <a:t>30/01/2018</a:t>
             </a:fld>
             <a:endParaRPr lang="fr-FR"/>
           </a:p>
@@ -1004,7 +1005,7 @@
           <a:p>
             <a:fld id="{D6564281-DC97-445F-836C-4F70F6BF1CE4}" type="datetimeFigureOut">
               <a:rPr lang="fr-FR" smtClean="0"/>
-              <a:t>23/09/2017</a:t>
+              <a:t>30/01/2018</a:t>
             </a:fld>
             <a:endParaRPr lang="fr-FR"/>
           </a:p>
@@ -1233,7 +1234,7 @@
           <a:p>
             <a:fld id="{D6564281-DC97-445F-836C-4F70F6BF1CE4}" type="datetimeFigureOut">
               <a:rPr lang="fr-FR" smtClean="0"/>
-              <a:t>23/09/2017</a:t>
+              <a:t>30/01/2018</a:t>
             </a:fld>
             <a:endParaRPr lang="fr-FR"/>
           </a:p>
@@ -1597,7 +1598,7 @@
           <a:p>
             <a:fld id="{D6564281-DC97-445F-836C-4F70F6BF1CE4}" type="datetimeFigureOut">
               <a:rPr lang="fr-FR" smtClean="0"/>
-              <a:t>23/09/2017</a:t>
+              <a:t>30/01/2018</a:t>
             </a:fld>
             <a:endParaRPr lang="fr-FR"/>
           </a:p>
@@ -1714,7 +1715,7 @@
           <a:p>
             <a:fld id="{D6564281-DC97-445F-836C-4F70F6BF1CE4}" type="datetimeFigureOut">
               <a:rPr lang="fr-FR" smtClean="0"/>
-              <a:t>23/09/2017</a:t>
+              <a:t>30/01/2018</a:t>
             </a:fld>
             <a:endParaRPr lang="fr-FR"/>
           </a:p>
@@ -1809,7 +1810,7 @@
           <a:p>
             <a:fld id="{D6564281-DC97-445F-836C-4F70F6BF1CE4}" type="datetimeFigureOut">
               <a:rPr lang="fr-FR" smtClean="0"/>
-              <a:t>23/09/2017</a:t>
+              <a:t>30/01/2018</a:t>
             </a:fld>
             <a:endParaRPr lang="fr-FR"/>
           </a:p>
@@ -2084,7 +2085,7 @@
           <a:p>
             <a:fld id="{D6564281-DC97-445F-836C-4F70F6BF1CE4}" type="datetimeFigureOut">
               <a:rPr lang="fr-FR" smtClean="0"/>
-              <a:t>23/09/2017</a:t>
+              <a:t>30/01/2018</a:t>
             </a:fld>
             <a:endParaRPr lang="fr-FR"/>
           </a:p>
@@ -2336,7 +2337,7 @@
           <a:p>
             <a:fld id="{D6564281-DC97-445F-836C-4F70F6BF1CE4}" type="datetimeFigureOut">
               <a:rPr lang="fr-FR" smtClean="0"/>
-              <a:t>23/09/2017</a:t>
+              <a:t>30/01/2018</a:t>
             </a:fld>
             <a:endParaRPr lang="fr-FR"/>
           </a:p>
@@ -2547,7 +2548,7 @@
           <a:p>
             <a:fld id="{D6564281-DC97-445F-836C-4F70F6BF1CE4}" type="datetimeFigureOut">
               <a:rPr lang="fr-FR" smtClean="0"/>
-              <a:t>23/09/2017</a:t>
+              <a:t>30/01/2018</a:t>
             </a:fld>
             <a:endParaRPr lang="fr-FR"/>
           </a:p>
@@ -3038,10 +3039,10 @@
         </p:nvGrpSpPr>
         <p:grpSpPr>
           <a:xfrm>
-            <a:off x="2177068" y="2116394"/>
-            <a:ext cx="6885817" cy="3367073"/>
+            <a:off x="2177068" y="2127969"/>
+            <a:ext cx="6856973" cy="3346857"/>
             <a:chOff x="1741993" y="1788456"/>
-            <a:chExt cx="6471695" cy="3604653"/>
+            <a:chExt cx="6444586" cy="3583011"/>
           </a:xfrm>
         </p:grpSpPr>
         <p:cxnSp>
@@ -3094,7 +3095,7 @@
           <p:spPr>
             <a:xfrm>
               <a:off x="4149526" y="1788456"/>
-              <a:ext cx="4064162" cy="3604653"/>
+              <a:ext cx="4037053" cy="3583011"/>
             </a:xfrm>
             <a:prstGeom prst="line">
               <a:avLst/>
@@ -3169,7 +3170,7 @@
         </p:nvSpPr>
         <p:spPr>
           <a:xfrm>
-            <a:off x="640729" y="414323"/>
+            <a:off x="1221220" y="391738"/>
             <a:ext cx="2110699" cy="584775"/>
           </a:xfrm>
           <a:prstGeom prst="rect">
@@ -3299,8 +3300,8 @@
         </p:nvSpPr>
         <p:spPr>
           <a:xfrm>
-            <a:off x="2170937" y="1502495"/>
-            <a:ext cx="1160982" cy="584775"/>
+            <a:off x="2208822" y="1410897"/>
+            <a:ext cx="1160982" cy="707886"/>
           </a:xfrm>
           <a:prstGeom prst="rect">
             <a:avLst/>
@@ -3327,6 +3328,146 @@
               <a:rPr lang="fr-FR" b="1" dirty="0" err="1"/>
               <a:t>pow</a:t>
             </a:r>
+            <a:r>
+              <a:rPr lang="fr-FR" sz="4000" b="1" baseline="-25000" dirty="0" err="1"/>
+              <a:t>a</a:t>
+            </a:r>
+            <a:endParaRPr lang="fr-FR" b="1" dirty="0"/>
+          </a:p>
+        </p:txBody>
+      </p:sp>
+      <p:cxnSp>
+        <p:nvCxnSpPr>
+          <p:cNvPr id="14" name="Connecteur droit 13">
+            <a:extLst>
+              <a:ext uri="{FF2B5EF4-FFF2-40B4-BE49-F238E27FC236}">
+                <a16:creationId xmlns:a16="http://schemas.microsoft.com/office/drawing/2014/main" id="{7FA8AA0A-A662-4573-B97C-CFFCBB38A19D}"/>
+              </a:ext>
+            </a:extLst>
+          </p:cNvPr>
+          <p:cNvCxnSpPr>
+            <a:cxnSpLocks/>
+          </p:cNvCxnSpPr>
+          <p:nvPr/>
+        </p:nvCxnSpPr>
+        <p:spPr>
+          <a:xfrm>
+            <a:off x="2170937" y="3194613"/>
+            <a:ext cx="2572909" cy="0"/>
+          </a:xfrm>
+          <a:prstGeom prst="line">
+            <a:avLst/>
+          </a:prstGeom>
+          <a:ln w="38100">
+            <a:solidFill>
+              <a:schemeClr val="accent2"/>
+            </a:solidFill>
+          </a:ln>
+        </p:spPr>
+        <p:style>
+          <a:lnRef idx="1">
+            <a:schemeClr val="accent1"/>
+          </a:lnRef>
+          <a:fillRef idx="0">
+            <a:schemeClr val="accent1"/>
+          </a:fillRef>
+          <a:effectRef idx="0">
+            <a:schemeClr val="accent1"/>
+          </a:effectRef>
+          <a:fontRef idx="minor">
+            <a:schemeClr val="tx1"/>
+          </a:fontRef>
+        </p:style>
+      </p:cxnSp>
+      <p:cxnSp>
+        <p:nvCxnSpPr>
+          <p:cNvPr id="15" name="Connecteur droit 14">
+            <a:extLst>
+              <a:ext uri="{FF2B5EF4-FFF2-40B4-BE49-F238E27FC236}">
+                <a16:creationId xmlns:a16="http://schemas.microsoft.com/office/drawing/2014/main" id="{95086E38-1269-45E5-A1EB-79DB706AD7A5}"/>
+              </a:ext>
+            </a:extLst>
+          </p:cNvPr>
+          <p:cNvCxnSpPr>
+            <a:cxnSpLocks/>
+          </p:cNvCxnSpPr>
+          <p:nvPr/>
+        </p:nvCxnSpPr>
+        <p:spPr>
+          <a:xfrm>
+            <a:off x="4743846" y="3194613"/>
+            <a:ext cx="2397734" cy="2280213"/>
+          </a:xfrm>
+          <a:prstGeom prst="line">
+            <a:avLst/>
+          </a:prstGeom>
+          <a:ln w="38100">
+            <a:solidFill>
+              <a:schemeClr val="accent2"/>
+            </a:solidFill>
+          </a:ln>
+        </p:spPr>
+        <p:style>
+          <a:lnRef idx="1">
+            <a:schemeClr val="accent1"/>
+          </a:lnRef>
+          <a:fillRef idx="0">
+            <a:schemeClr val="accent1"/>
+          </a:fillRef>
+          <a:effectRef idx="0">
+            <a:schemeClr val="accent1"/>
+          </a:effectRef>
+          <a:fontRef idx="minor">
+            <a:schemeClr val="tx1"/>
+          </a:fontRef>
+        </p:style>
+      </p:cxnSp>
+      <p:sp>
+        <p:nvSpPr>
+          <p:cNvPr id="22" name="ZoneTexte 21">
+            <a:extLst>
+              <a:ext uri="{FF2B5EF4-FFF2-40B4-BE49-F238E27FC236}">
+                <a16:creationId xmlns:a16="http://schemas.microsoft.com/office/drawing/2014/main" id="{FE64F2C1-5B29-42A9-BC39-A2EA7F0035C3}"/>
+              </a:ext>
+            </a:extLst>
+          </p:cNvPr>
+          <p:cNvSpPr txBox="1"/>
+          <p:nvPr/>
+        </p:nvSpPr>
+        <p:spPr>
+          <a:xfrm>
+            <a:off x="2276569" y="2469000"/>
+            <a:ext cx="1160982" cy="707886"/>
+          </a:xfrm>
+          <a:prstGeom prst="rect">
+            <a:avLst/>
+          </a:prstGeom>
+          <a:noFill/>
+        </p:spPr>
+        <p:txBody>
+          <a:bodyPr wrap="square" rtlCol="0">
+            <a:spAutoFit/>
+          </a:bodyPr>
+          <a:lstStyle>
+            <a:defPPr>
+              <a:defRPr lang="fr-FR"/>
+            </a:defPPr>
+            <a:lvl1pPr>
+              <a:defRPr sz="3200" b="0">
+                <a:latin typeface="Cambria Math" panose="02040503050406030204" pitchFamily="18" charset="0"/>
+                <a:ea typeface="Cambria Math" panose="02040503050406030204" pitchFamily="18" charset="0"/>
+              </a:defRPr>
+            </a:lvl1pPr>
+          </a:lstStyle>
+          <a:p>
+            <a:r>
+              <a:rPr lang="fr-FR" b="1" dirty="0" err="1"/>
+              <a:t>pow</a:t>
+            </a:r>
+            <a:r>
+              <a:rPr lang="fr-FR" sz="4000" b="1" baseline="-25000" dirty="0" err="1"/>
+              <a:t>b</a:t>
+            </a:r>
             <a:endParaRPr lang="fr-FR" b="1" dirty="0"/>
           </a:p>
         </p:txBody>
@@ -3335,6 +3476,86 @@
     <p:extLst>
       <p:ext uri="{BB962C8B-B14F-4D97-AF65-F5344CB8AC3E}">
         <p14:creationId xmlns:p14="http://schemas.microsoft.com/office/powerpoint/2010/main" val="4183006236"/>
+      </p:ext>
+    </p:extLst>
+  </p:cSld>
+  <p:clrMapOvr>
+    <a:masterClrMapping/>
+  </p:clrMapOvr>
+</p:sld>
+</file>
+
+<file path=ppt/slides/slide2.xml><?xml version="1.0" encoding="utf-8"?>
+<p:sld xmlns:a="http://schemas.openxmlformats.org/drawingml/2006/main" xmlns:r="http://schemas.openxmlformats.org/officeDocument/2006/relationships" xmlns:p="http://schemas.openxmlformats.org/presentationml/2006/main">
+  <p:cSld>
+    <p:spTree>
+      <p:nvGrpSpPr>
+        <p:cNvPr id="1" name=""/>
+        <p:cNvGrpSpPr/>
+        <p:nvPr/>
+      </p:nvGrpSpPr>
+      <p:grpSpPr>
+        <a:xfrm>
+          <a:off x="0" y="0"/>
+          <a:ext cx="0" cy="0"/>
+          <a:chOff x="0" y="0"/>
+          <a:chExt cx="0" cy="0"/>
+        </a:xfrm>
+      </p:grpSpPr>
+      <p:sp>
+        <p:nvSpPr>
+          <p:cNvPr id="2" name="Titre 1">
+            <a:extLst>
+              <a:ext uri="{FF2B5EF4-FFF2-40B4-BE49-F238E27FC236}">
+                <a16:creationId xmlns:a16="http://schemas.microsoft.com/office/drawing/2014/main" id="{6B161763-CDE9-4D78-A4D0-F72E8EACE1F8}"/>
+              </a:ext>
+            </a:extLst>
+          </p:cNvPr>
+          <p:cNvSpPr>
+            <a:spLocks noGrp="1"/>
+          </p:cNvSpPr>
+          <p:nvPr>
+            <p:ph type="title"/>
+          </p:nvPr>
+        </p:nvSpPr>
+        <p:spPr/>
+        <p:txBody>
+          <a:bodyPr/>
+          <a:lstStyle/>
+          <a:p>
+            <a:endParaRPr lang="fr-FR"/>
+          </a:p>
+        </p:txBody>
+      </p:sp>
+      <p:sp>
+        <p:nvSpPr>
+          <p:cNvPr id="3" name="Espace réservé du contenu 2">
+            <a:extLst>
+              <a:ext uri="{FF2B5EF4-FFF2-40B4-BE49-F238E27FC236}">
+                <a16:creationId xmlns:a16="http://schemas.microsoft.com/office/drawing/2014/main" id="{9CD99E02-DE31-47F7-A8E0-0E7E51505B47}"/>
+              </a:ext>
+            </a:extLst>
+          </p:cNvPr>
+          <p:cNvSpPr>
+            <a:spLocks noGrp="1"/>
+          </p:cNvSpPr>
+          <p:nvPr>
+            <p:ph idx="1"/>
+          </p:nvPr>
+        </p:nvSpPr>
+        <p:spPr/>
+        <p:txBody>
+          <a:bodyPr/>
+          <a:lstStyle/>
+          <a:p>
+            <a:endParaRPr lang="fr-FR"/>
+          </a:p>
+        </p:txBody>
+      </p:sp>
+    </p:spTree>
+    <p:extLst>
+      <p:ext uri="{BB962C8B-B14F-4D97-AF65-F5344CB8AC3E}">
+        <p14:creationId xmlns:p14="http://schemas.microsoft.com/office/powerpoint/2010/main" val="4036745064"/>
       </p:ext>
     </p:extLst>
   </p:cSld>

--- a/papers/IVA/graphs/graphe(v2).pptx
+++ b/papers/IVA/graphs/graphe(v2).pptx
@@ -113,10 +113,6 @@
 </p:presentation>
 </file>
 
-<file path=ppt/revisionInfo.xml><?xml version="1.0" encoding="utf-8"?>
-<p1510:revInfo xmlns:a="http://schemas.openxmlformats.org/drawingml/2006/main" xmlns:r="http://schemas.openxmlformats.org/officeDocument/2006/relationships" xmlns:p1510="http://schemas.microsoft.com/office/powerpoint/2015/10/main"/>
-</file>
-
 <file path=ppt/slideLayouts/slideLayout1.xml><?xml version="1.0" encoding="utf-8"?>
 <p:sldLayout xmlns:a="http://schemas.openxmlformats.org/drawingml/2006/main" xmlns:r="http://schemas.openxmlformats.org/officeDocument/2006/relationships" xmlns:p="http://schemas.openxmlformats.org/presentationml/2006/main" type="title" preserve="1">
   <p:cSld name="Diapositive de titre">
@@ -246,7 +242,7 @@
           <a:p>
             <a:fld id="{D6564281-DC97-445F-836C-4F70F6BF1CE4}" type="datetimeFigureOut">
               <a:rPr lang="fr-FR" smtClean="0"/>
-              <a:t>30/01/2018</a:t>
+              <a:t>19/06/2018</a:t>
             </a:fld>
             <a:endParaRPr lang="fr-FR"/>
           </a:p>
@@ -414,7 +410,7 @@
           <a:p>
             <a:fld id="{D6564281-DC97-445F-836C-4F70F6BF1CE4}" type="datetimeFigureOut">
               <a:rPr lang="fr-FR" smtClean="0"/>
-              <a:t>30/01/2018</a:t>
+              <a:t>19/06/2018</a:t>
             </a:fld>
             <a:endParaRPr lang="fr-FR"/>
           </a:p>
@@ -592,7 +588,7 @@
           <a:p>
             <a:fld id="{D6564281-DC97-445F-836C-4F70F6BF1CE4}" type="datetimeFigureOut">
               <a:rPr lang="fr-FR" smtClean="0"/>
-              <a:t>30/01/2018</a:t>
+              <a:t>19/06/2018</a:t>
             </a:fld>
             <a:endParaRPr lang="fr-FR"/>
           </a:p>
@@ -760,7 +756,7 @@
           <a:p>
             <a:fld id="{D6564281-DC97-445F-836C-4F70F6BF1CE4}" type="datetimeFigureOut">
               <a:rPr lang="fr-FR" smtClean="0"/>
-              <a:t>30/01/2018</a:t>
+              <a:t>19/06/2018</a:t>
             </a:fld>
             <a:endParaRPr lang="fr-FR"/>
           </a:p>
@@ -1005,7 +1001,7 @@
           <a:p>
             <a:fld id="{D6564281-DC97-445F-836C-4F70F6BF1CE4}" type="datetimeFigureOut">
               <a:rPr lang="fr-FR" smtClean="0"/>
-              <a:t>30/01/2018</a:t>
+              <a:t>19/06/2018</a:t>
             </a:fld>
             <a:endParaRPr lang="fr-FR"/>
           </a:p>
@@ -1234,7 +1230,7 @@
           <a:p>
             <a:fld id="{D6564281-DC97-445F-836C-4F70F6BF1CE4}" type="datetimeFigureOut">
               <a:rPr lang="fr-FR" smtClean="0"/>
-              <a:t>30/01/2018</a:t>
+              <a:t>19/06/2018</a:t>
             </a:fld>
             <a:endParaRPr lang="fr-FR"/>
           </a:p>
@@ -1598,7 +1594,7 @@
           <a:p>
             <a:fld id="{D6564281-DC97-445F-836C-4F70F6BF1CE4}" type="datetimeFigureOut">
               <a:rPr lang="fr-FR" smtClean="0"/>
-              <a:t>30/01/2018</a:t>
+              <a:t>19/06/2018</a:t>
             </a:fld>
             <a:endParaRPr lang="fr-FR"/>
           </a:p>
@@ -1715,7 +1711,7 @@
           <a:p>
             <a:fld id="{D6564281-DC97-445F-836C-4F70F6BF1CE4}" type="datetimeFigureOut">
               <a:rPr lang="fr-FR" smtClean="0"/>
-              <a:t>30/01/2018</a:t>
+              <a:t>19/06/2018</a:t>
             </a:fld>
             <a:endParaRPr lang="fr-FR"/>
           </a:p>
@@ -1810,7 +1806,7 @@
           <a:p>
             <a:fld id="{D6564281-DC97-445F-836C-4F70F6BF1CE4}" type="datetimeFigureOut">
               <a:rPr lang="fr-FR" smtClean="0"/>
-              <a:t>30/01/2018</a:t>
+              <a:t>19/06/2018</a:t>
             </a:fld>
             <a:endParaRPr lang="fr-FR"/>
           </a:p>
@@ -2085,7 +2081,7 @@
           <a:p>
             <a:fld id="{D6564281-DC97-445F-836C-4F70F6BF1CE4}" type="datetimeFigureOut">
               <a:rPr lang="fr-FR" smtClean="0"/>
-              <a:t>30/01/2018</a:t>
+              <a:t>19/06/2018</a:t>
             </a:fld>
             <a:endParaRPr lang="fr-FR"/>
           </a:p>
@@ -2337,7 +2333,7 @@
           <a:p>
             <a:fld id="{D6564281-DC97-445F-836C-4F70F6BF1CE4}" type="datetimeFigureOut">
               <a:rPr lang="fr-FR" smtClean="0"/>
-              <a:t>30/01/2018</a:t>
+              <a:t>19/06/2018</a:t>
             </a:fld>
             <a:endParaRPr lang="fr-FR"/>
           </a:p>
@@ -2548,7 +2544,7 @@
           <a:p>
             <a:fld id="{D6564281-DC97-445F-836C-4F70F6BF1CE4}" type="datetimeFigureOut">
               <a:rPr lang="fr-FR" smtClean="0"/>
-              <a:t>30/01/2018</a:t>
+              <a:t>19/06/2018</a:t>
             </a:fld>
             <a:endParaRPr lang="fr-FR"/>
           </a:p>
@@ -3133,7 +3129,7 @@
         <p:spPr>
           <a:xfrm>
             <a:off x="9606708" y="5546204"/>
-            <a:ext cx="763929" cy="646331"/>
+            <a:ext cx="1064036" cy="707886"/>
           </a:xfrm>
           <a:prstGeom prst="rect">
             <a:avLst/>
@@ -3147,14 +3143,14 @@
           <a:lstStyle/>
           <a:p>
             <a:r>
-              <a:rPr lang="fr-FR" sz="3600" b="1" dirty="0">
+              <a:rPr lang="fr-FR" sz="4000" b="1" dirty="0">
                 <a:latin typeface="Cambria Math" panose="02040503050406030204" pitchFamily="18" charset="0"/>
                 <a:ea typeface="Cambria Math" panose="02040503050406030204" pitchFamily="18" charset="0"/>
                 <a:cs typeface="Arial" panose="020B0604020202020204" pitchFamily="34" charset="0"/>
               </a:rPr>
               <a:t>t</a:t>
             </a:r>
-            <a:endParaRPr lang="fr-FR" sz="2000" b="1" dirty="0">
+            <a:endParaRPr lang="fr-FR" sz="2400" b="1" dirty="0">
               <a:latin typeface="Cambria Math" panose="02040503050406030204" pitchFamily="18" charset="0"/>
               <a:ea typeface="Cambria Math" panose="02040503050406030204" pitchFamily="18" charset="0"/>
               <a:cs typeface="Arial" panose="020B0604020202020204" pitchFamily="34" charset="0"/>
@@ -3171,7 +3167,7 @@
         <p:spPr>
           <a:xfrm>
             <a:off x="1221220" y="391738"/>
-            <a:ext cx="2110699" cy="584775"/>
+            <a:ext cx="2939879" cy="646331"/>
           </a:xfrm>
           <a:prstGeom prst="rect">
             <a:avLst/>
@@ -3195,15 +3191,15 @@
           </a:lstStyle>
           <a:p>
             <a:r>
-              <a:rPr lang="fr-FR" b="1" dirty="0"/>
+              <a:rPr lang="fr-FR" sz="3600" b="1" dirty="0"/>
               <a:t>Self(</a:t>
             </a:r>
             <a:r>
-              <a:rPr lang="fr-FR" b="1" dirty="0" err="1"/>
+              <a:rPr lang="fr-FR" sz="3600" b="1" dirty="0" err="1"/>
               <a:t>pow,t</a:t>
             </a:r>
             <a:r>
-              <a:rPr lang="fr-FR" b="1" dirty="0"/>
+              <a:rPr lang="fr-FR" sz="3600" b="1" dirty="0"/>
               <a:t>)</a:t>
             </a:r>
           </a:p>
@@ -3251,7 +3247,7 @@
         <p:spPr>
           <a:xfrm>
             <a:off x="4486770" y="1262138"/>
-            <a:ext cx="752355" cy="646331"/>
+            <a:ext cx="1047915" cy="707886"/>
           </a:xfrm>
           <a:prstGeom prst="rect">
             <a:avLst/>
@@ -3272,20 +3268,20 @@
           </a:lstStyle>
           <a:p>
             <a:r>
-              <a:rPr lang="el-GR" b="0" dirty="0">
+              <a:rPr lang="el-GR" sz="3600" b="0" dirty="0">
                 <a:latin typeface="Cambria Math" panose="02040503050406030204" pitchFamily="18" charset="0"/>
                 <a:ea typeface="Cambria Math" panose="02040503050406030204" pitchFamily="18" charset="0"/>
               </a:rPr>
               <a:t> </a:t>
             </a:r>
             <a:r>
-              <a:rPr lang="el-GR" sz="3600" dirty="0">
+              <a:rPr lang="el-GR" sz="4000" dirty="0">
                 <a:latin typeface="Cambria Math" panose="02040503050406030204" pitchFamily="18" charset="0"/>
                 <a:ea typeface="Cambria Math" panose="02040503050406030204" pitchFamily="18" charset="0"/>
               </a:rPr>
               <a:t>τ</a:t>
             </a:r>
-            <a:endParaRPr lang="fr-FR" dirty="0">
+            <a:endParaRPr lang="fr-FR" sz="3600" dirty="0">
               <a:latin typeface="Cambria Math" panose="02040503050406030204" pitchFamily="18" charset="0"/>
               <a:ea typeface="Cambria Math" panose="02040503050406030204" pitchFamily="18" charset="0"/>
             </a:endParaRPr>
@@ -3300,8 +3296,8 @@
         </p:nvSpPr>
         <p:spPr>
           <a:xfrm>
-            <a:off x="2208822" y="1410897"/>
-            <a:ext cx="1160982" cy="707886"/>
+            <a:off x="2208821" y="1387749"/>
+            <a:ext cx="1617069" cy="769441"/>
           </a:xfrm>
           <a:prstGeom prst="rect">
             <a:avLst/>
@@ -3325,14 +3321,14 @@
           </a:lstStyle>
           <a:p>
             <a:r>
-              <a:rPr lang="fr-FR" b="1" dirty="0" err="1"/>
+              <a:rPr lang="fr-FR" sz="3600" b="1" dirty="0" err="1"/>
               <a:t>pow</a:t>
             </a:r>
             <a:r>
-              <a:rPr lang="fr-FR" sz="4000" b="1" baseline="-25000" dirty="0" err="1"/>
+              <a:rPr lang="fr-FR" sz="4400" b="1" baseline="-25000" dirty="0" err="1"/>
               <a:t>a</a:t>
             </a:r>
-            <a:endParaRPr lang="fr-FR" b="1" dirty="0"/>
+            <a:endParaRPr lang="fr-FR" sz="3600" b="1" dirty="0"/>
           </a:p>
         </p:txBody>
       </p:sp>
@@ -3436,8 +3432,8 @@
         </p:nvSpPr>
         <p:spPr>
           <a:xfrm>
-            <a:off x="2276569" y="2469000"/>
-            <a:ext cx="1160982" cy="707886"/>
+            <a:off x="2276568" y="2445852"/>
+            <a:ext cx="1617069" cy="769441"/>
           </a:xfrm>
           <a:prstGeom prst="rect">
             <a:avLst/>
@@ -3461,14 +3457,14 @@
           </a:lstStyle>
           <a:p>
             <a:r>
-              <a:rPr lang="fr-FR" b="1" dirty="0" err="1"/>
+              <a:rPr lang="fr-FR" sz="3600" b="1" dirty="0" err="1"/>
               <a:t>pow</a:t>
             </a:r>
             <a:r>
-              <a:rPr lang="fr-FR" sz="4000" b="1" baseline="-25000" dirty="0" err="1"/>
+              <a:rPr lang="fr-FR" sz="4400" b="1" baseline="-25000" dirty="0" err="1"/>
               <a:t>b</a:t>
             </a:r>
-            <a:endParaRPr lang="fr-FR" b="1" dirty="0"/>
+            <a:endParaRPr lang="fr-FR" sz="3600" b="1" dirty="0"/>
           </a:p>
         </p:txBody>
       </p:sp>

--- a/papers/IVA/graphs/graphe(v2).pptx
+++ b/papers/IVA/graphs/graphe(v2).pptx
@@ -242,7 +242,7 @@
           <a:p>
             <a:fld id="{D6564281-DC97-445F-836C-4F70F6BF1CE4}" type="datetimeFigureOut">
               <a:rPr lang="fr-FR" smtClean="0"/>
-              <a:t>19/06/2018</a:t>
+              <a:t>27/08/2018</a:t>
             </a:fld>
             <a:endParaRPr lang="fr-FR"/>
           </a:p>
@@ -410,7 +410,7 @@
           <a:p>
             <a:fld id="{D6564281-DC97-445F-836C-4F70F6BF1CE4}" type="datetimeFigureOut">
               <a:rPr lang="fr-FR" smtClean="0"/>
-              <a:t>19/06/2018</a:t>
+              <a:t>27/08/2018</a:t>
             </a:fld>
             <a:endParaRPr lang="fr-FR"/>
           </a:p>
@@ -588,7 +588,7 @@
           <a:p>
             <a:fld id="{D6564281-DC97-445F-836C-4F70F6BF1CE4}" type="datetimeFigureOut">
               <a:rPr lang="fr-FR" smtClean="0"/>
-              <a:t>19/06/2018</a:t>
+              <a:t>27/08/2018</a:t>
             </a:fld>
             <a:endParaRPr lang="fr-FR"/>
           </a:p>
@@ -756,7 +756,7 @@
           <a:p>
             <a:fld id="{D6564281-DC97-445F-836C-4F70F6BF1CE4}" type="datetimeFigureOut">
               <a:rPr lang="fr-FR" smtClean="0"/>
-              <a:t>19/06/2018</a:t>
+              <a:t>27/08/2018</a:t>
             </a:fld>
             <a:endParaRPr lang="fr-FR"/>
           </a:p>
@@ -1001,7 +1001,7 @@
           <a:p>
             <a:fld id="{D6564281-DC97-445F-836C-4F70F6BF1CE4}" type="datetimeFigureOut">
               <a:rPr lang="fr-FR" smtClean="0"/>
-              <a:t>19/06/2018</a:t>
+              <a:t>27/08/2018</a:t>
             </a:fld>
             <a:endParaRPr lang="fr-FR"/>
           </a:p>
@@ -1230,7 +1230,7 @@
           <a:p>
             <a:fld id="{D6564281-DC97-445F-836C-4F70F6BF1CE4}" type="datetimeFigureOut">
               <a:rPr lang="fr-FR" smtClean="0"/>
-              <a:t>19/06/2018</a:t>
+              <a:t>27/08/2018</a:t>
             </a:fld>
             <a:endParaRPr lang="fr-FR"/>
           </a:p>
@@ -1594,7 +1594,7 @@
           <a:p>
             <a:fld id="{D6564281-DC97-445F-836C-4F70F6BF1CE4}" type="datetimeFigureOut">
               <a:rPr lang="fr-FR" smtClean="0"/>
-              <a:t>19/06/2018</a:t>
+              <a:t>27/08/2018</a:t>
             </a:fld>
             <a:endParaRPr lang="fr-FR"/>
           </a:p>
@@ -1711,7 +1711,7 @@
           <a:p>
             <a:fld id="{D6564281-DC97-445F-836C-4F70F6BF1CE4}" type="datetimeFigureOut">
               <a:rPr lang="fr-FR" smtClean="0"/>
-              <a:t>19/06/2018</a:t>
+              <a:t>27/08/2018</a:t>
             </a:fld>
             <a:endParaRPr lang="fr-FR"/>
           </a:p>
@@ -1806,7 +1806,7 @@
           <a:p>
             <a:fld id="{D6564281-DC97-445F-836C-4F70F6BF1CE4}" type="datetimeFigureOut">
               <a:rPr lang="fr-FR" smtClean="0"/>
-              <a:t>19/06/2018</a:t>
+              <a:t>27/08/2018</a:t>
             </a:fld>
             <a:endParaRPr lang="fr-FR"/>
           </a:p>
@@ -2081,7 +2081,7 @@
           <a:p>
             <a:fld id="{D6564281-DC97-445F-836C-4F70F6BF1CE4}" type="datetimeFigureOut">
               <a:rPr lang="fr-FR" smtClean="0"/>
-              <a:t>19/06/2018</a:t>
+              <a:t>27/08/2018</a:t>
             </a:fld>
             <a:endParaRPr lang="fr-FR"/>
           </a:p>
@@ -2333,7 +2333,7 @@
           <a:p>
             <a:fld id="{D6564281-DC97-445F-836C-4F70F6BF1CE4}" type="datetimeFigureOut">
               <a:rPr lang="fr-FR" smtClean="0"/>
-              <a:t>19/06/2018</a:t>
+              <a:t>27/08/2018</a:t>
             </a:fld>
             <a:endParaRPr lang="fr-FR"/>
           </a:p>
@@ -2544,7 +2544,7 @@
           <a:p>
             <a:fld id="{D6564281-DC97-445F-836C-4F70F6BF1CE4}" type="datetimeFigureOut">
               <a:rPr lang="fr-FR" smtClean="0"/>
-              <a:t>19/06/2018</a:t>
+              <a:t>27/08/2018</a:t>
             </a:fld>
             <a:endParaRPr lang="fr-FR"/>
           </a:p>
@@ -2949,101 +2949,285 @@
           <a:chExt cx="0" cy="0"/>
         </a:xfrm>
       </p:grpSpPr>
-      <p:cxnSp>
-        <p:nvCxnSpPr>
-          <p:cNvPr id="9" name="Connecteur droit avec flèche 8"/>
-          <p:cNvCxnSpPr>
-            <a:cxnSpLocks/>
-          </p:cNvCxnSpPr>
-          <p:nvPr/>
-        </p:nvCxnSpPr>
-        <p:spPr>
-          <a:xfrm flipV="1">
-            <a:off x="2170937" y="1080476"/>
-            <a:ext cx="0" cy="4419432"/>
-          </a:xfrm>
-          <a:prstGeom prst="straightConnector1">
-            <a:avLst/>
-          </a:prstGeom>
-          <a:ln w="38100">
-            <a:solidFill>
-              <a:schemeClr val="tx1"/>
-            </a:solidFill>
-            <a:headEnd type="none" w="med" len="med"/>
-            <a:tailEnd type="arrow" w="med" len="med"/>
-          </a:ln>
-        </p:spPr>
-        <p:style>
-          <a:lnRef idx="1">
-            <a:schemeClr val="dk1"/>
-          </a:lnRef>
-          <a:fillRef idx="0">
-            <a:schemeClr val="dk1"/>
-          </a:fillRef>
-          <a:effectRef idx="0">
-            <a:schemeClr val="dk1"/>
-          </a:effectRef>
-          <a:fontRef idx="minor">
-            <a:schemeClr val="tx1"/>
-          </a:fontRef>
-        </p:style>
-      </p:cxnSp>
-      <p:cxnSp>
-        <p:nvCxnSpPr>
-          <p:cNvPr id="12" name="Connecteur droit avec flèche 11"/>
-          <p:cNvCxnSpPr>
-            <a:cxnSpLocks/>
-          </p:cNvCxnSpPr>
-          <p:nvPr/>
-        </p:nvCxnSpPr>
-        <p:spPr>
-          <a:xfrm flipV="1">
-            <a:off x="2177067" y="5479146"/>
-            <a:ext cx="7696978" cy="1"/>
-          </a:xfrm>
-          <a:prstGeom prst="straightConnector1">
-            <a:avLst/>
-          </a:prstGeom>
-          <a:ln w="38100">
-            <a:solidFill>
-              <a:schemeClr val="tx1"/>
-            </a:solidFill>
-            <a:headEnd type="none" w="med" len="med"/>
-            <a:tailEnd type="arrow" w="med" len="med"/>
-          </a:ln>
-        </p:spPr>
-        <p:style>
-          <a:lnRef idx="1">
-            <a:schemeClr val="dk1"/>
-          </a:lnRef>
-          <a:fillRef idx="0">
-            <a:schemeClr val="dk1"/>
-          </a:fillRef>
-          <a:effectRef idx="0">
-            <a:schemeClr val="dk1"/>
-          </a:effectRef>
-          <a:fontRef idx="minor">
-            <a:schemeClr val="tx1"/>
-          </a:fontRef>
-        </p:style>
-      </p:cxnSp>
       <p:grpSp>
         <p:nvGrpSpPr>
-          <p:cNvPr id="24" name="Groupe 23"/>
+          <p:cNvPr id="2" name="Groupe 1">
+            <a:extLst>
+              <a:ext uri="{FF2B5EF4-FFF2-40B4-BE49-F238E27FC236}">
+                <a16:creationId xmlns:a16="http://schemas.microsoft.com/office/drawing/2014/main" id="{FCF35895-36E1-4D50-BFB1-AB3FA29053D8}"/>
+              </a:ext>
+            </a:extLst>
+          </p:cNvPr>
           <p:cNvGrpSpPr/>
           <p:nvPr/>
         </p:nvGrpSpPr>
         <p:grpSpPr>
           <a:xfrm>
-            <a:off x="2177068" y="2127969"/>
-            <a:ext cx="6856973" cy="3346857"/>
-            <a:chOff x="1741993" y="1788456"/>
-            <a:chExt cx="6444586" cy="3583011"/>
+            <a:off x="1221220" y="391738"/>
+            <a:ext cx="9449524" cy="5862352"/>
+            <a:chOff x="1221220" y="391738"/>
+            <a:chExt cx="9449524" cy="5862352"/>
           </a:xfrm>
         </p:grpSpPr>
         <p:cxnSp>
           <p:nvCxnSpPr>
-            <p:cNvPr id="21" name="Connecteur droit 20"/>
+            <p:cNvPr id="9" name="Connecteur droit avec flèche 8"/>
+            <p:cNvCxnSpPr>
+              <a:cxnSpLocks/>
+            </p:cNvCxnSpPr>
+            <p:nvPr/>
+          </p:nvCxnSpPr>
+          <p:spPr>
+            <a:xfrm flipV="1">
+              <a:off x="2170937" y="1080476"/>
+              <a:ext cx="0" cy="4419432"/>
+            </a:xfrm>
+            <a:prstGeom prst="straightConnector1">
+              <a:avLst/>
+            </a:prstGeom>
+            <a:ln w="38100">
+              <a:solidFill>
+                <a:schemeClr val="tx1"/>
+              </a:solidFill>
+              <a:headEnd type="none" w="med" len="med"/>
+              <a:tailEnd type="arrow" w="med" len="med"/>
+            </a:ln>
+          </p:spPr>
+          <p:style>
+            <a:lnRef idx="1">
+              <a:schemeClr val="dk1"/>
+            </a:lnRef>
+            <a:fillRef idx="0">
+              <a:schemeClr val="dk1"/>
+            </a:fillRef>
+            <a:effectRef idx="0">
+              <a:schemeClr val="dk1"/>
+            </a:effectRef>
+            <a:fontRef idx="minor">
+              <a:schemeClr val="tx1"/>
+            </a:fontRef>
+          </p:style>
+        </p:cxnSp>
+        <p:cxnSp>
+          <p:nvCxnSpPr>
+            <p:cNvPr id="12" name="Connecteur droit avec flèche 11"/>
+            <p:cNvCxnSpPr>
+              <a:cxnSpLocks/>
+            </p:cNvCxnSpPr>
+            <p:nvPr/>
+          </p:nvCxnSpPr>
+          <p:spPr>
+            <a:xfrm flipV="1">
+              <a:off x="2177067" y="5479146"/>
+              <a:ext cx="7696978" cy="1"/>
+            </a:xfrm>
+            <a:prstGeom prst="straightConnector1">
+              <a:avLst/>
+            </a:prstGeom>
+            <a:ln w="38100">
+              <a:solidFill>
+                <a:schemeClr val="tx1"/>
+              </a:solidFill>
+              <a:headEnd type="none" w="med" len="med"/>
+              <a:tailEnd type="arrow" w="med" len="med"/>
+            </a:ln>
+          </p:spPr>
+          <p:style>
+            <a:lnRef idx="1">
+              <a:schemeClr val="dk1"/>
+            </a:lnRef>
+            <a:fillRef idx="0">
+              <a:schemeClr val="dk1"/>
+            </a:fillRef>
+            <a:effectRef idx="0">
+              <a:schemeClr val="dk1"/>
+            </a:effectRef>
+            <a:fontRef idx="minor">
+              <a:schemeClr val="tx1"/>
+            </a:fontRef>
+          </p:style>
+        </p:cxnSp>
+        <p:grpSp>
+          <p:nvGrpSpPr>
+            <p:cNvPr id="24" name="Groupe 23"/>
+            <p:cNvGrpSpPr/>
+            <p:nvPr/>
+          </p:nvGrpSpPr>
+          <p:grpSpPr>
+            <a:xfrm>
+              <a:off x="2177068" y="2127969"/>
+              <a:ext cx="6856973" cy="3346857"/>
+              <a:chOff x="1741993" y="1788456"/>
+              <a:chExt cx="6444586" cy="3583011"/>
+            </a:xfrm>
+          </p:grpSpPr>
+          <p:cxnSp>
+            <p:nvCxnSpPr>
+              <p:cNvPr id="21" name="Connecteur droit 20"/>
+              <p:cNvCxnSpPr>
+                <a:cxnSpLocks/>
+              </p:cNvCxnSpPr>
+              <p:nvPr/>
+            </p:nvCxnSpPr>
+            <p:spPr>
+              <a:xfrm>
+                <a:off x="1741993" y="1788456"/>
+                <a:ext cx="2407533" cy="0"/>
+              </a:xfrm>
+              <a:prstGeom prst="line">
+                <a:avLst/>
+              </a:prstGeom>
+              <a:ln w="38100">
+                <a:solidFill>
+                  <a:schemeClr val="accent5">
+                    <a:lumMod val="75000"/>
+                  </a:schemeClr>
+                </a:solidFill>
+              </a:ln>
+            </p:spPr>
+            <p:style>
+              <a:lnRef idx="1">
+                <a:schemeClr val="accent1"/>
+              </a:lnRef>
+              <a:fillRef idx="0">
+                <a:schemeClr val="accent1"/>
+              </a:fillRef>
+              <a:effectRef idx="0">
+                <a:schemeClr val="accent1"/>
+              </a:effectRef>
+              <a:fontRef idx="minor">
+                <a:schemeClr val="tx1"/>
+              </a:fontRef>
+            </p:style>
+          </p:cxnSp>
+          <p:cxnSp>
+            <p:nvCxnSpPr>
+              <p:cNvPr id="23" name="Connecteur droit 22"/>
+              <p:cNvCxnSpPr>
+                <a:cxnSpLocks/>
+              </p:cNvCxnSpPr>
+              <p:nvPr/>
+            </p:nvCxnSpPr>
+            <p:spPr>
+              <a:xfrm>
+                <a:off x="4149526" y="1788456"/>
+                <a:ext cx="4037053" cy="3583011"/>
+              </a:xfrm>
+              <a:prstGeom prst="line">
+                <a:avLst/>
+              </a:prstGeom>
+              <a:ln w="38100">
+                <a:solidFill>
+                  <a:schemeClr val="accent5">
+                    <a:lumMod val="75000"/>
+                  </a:schemeClr>
+                </a:solidFill>
+              </a:ln>
+            </p:spPr>
+            <p:style>
+              <a:lnRef idx="1">
+                <a:schemeClr val="accent1"/>
+              </a:lnRef>
+              <a:fillRef idx="0">
+                <a:schemeClr val="accent1"/>
+              </a:fillRef>
+              <a:effectRef idx="0">
+                <a:schemeClr val="accent1"/>
+              </a:effectRef>
+              <a:fontRef idx="minor">
+                <a:schemeClr val="tx1"/>
+              </a:fontRef>
+            </p:style>
+          </p:cxnSp>
+        </p:grpSp>
+        <p:sp>
+          <p:nvSpPr>
+            <p:cNvPr id="36" name="ZoneTexte 35"/>
+            <p:cNvSpPr txBox="1"/>
+            <p:nvPr/>
+          </p:nvSpPr>
+          <p:spPr>
+            <a:xfrm>
+              <a:off x="9606708" y="5546204"/>
+              <a:ext cx="1064036" cy="707886"/>
+            </a:xfrm>
+            <a:prstGeom prst="rect">
+              <a:avLst/>
+            </a:prstGeom>
+            <a:noFill/>
+          </p:spPr>
+          <p:txBody>
+            <a:bodyPr wrap="square" rtlCol="0">
+              <a:spAutoFit/>
+            </a:bodyPr>
+            <a:lstStyle/>
+            <a:p>
+              <a:r>
+                <a:rPr lang="fr-FR" sz="4000" b="1" dirty="0">
+                  <a:latin typeface="Cambria Math" panose="02040503050406030204" pitchFamily="18" charset="0"/>
+                  <a:ea typeface="Cambria Math" panose="02040503050406030204" pitchFamily="18" charset="0"/>
+                  <a:cs typeface="Arial" panose="020B0604020202020204" pitchFamily="34" charset="0"/>
+                </a:rPr>
+                <a:t>t</a:t>
+              </a:r>
+              <a:endParaRPr lang="fr-FR" sz="2400" b="1" dirty="0">
+                <a:latin typeface="Cambria Math" panose="02040503050406030204" pitchFamily="18" charset="0"/>
+                <a:ea typeface="Cambria Math" panose="02040503050406030204" pitchFamily="18" charset="0"/>
+                <a:cs typeface="Arial" panose="020B0604020202020204" pitchFamily="34" charset="0"/>
+              </a:endParaRPr>
+            </a:p>
+          </p:txBody>
+        </p:sp>
+        <p:sp>
+          <p:nvSpPr>
+            <p:cNvPr id="37" name="ZoneTexte 36"/>
+            <p:cNvSpPr txBox="1"/>
+            <p:nvPr/>
+          </p:nvSpPr>
+          <p:spPr>
+            <a:xfrm>
+              <a:off x="1221220" y="391738"/>
+              <a:ext cx="2939879" cy="646331"/>
+            </a:xfrm>
+            <a:prstGeom prst="rect">
+              <a:avLst/>
+            </a:prstGeom>
+            <a:noFill/>
+          </p:spPr>
+          <p:txBody>
+            <a:bodyPr wrap="square" rtlCol="0">
+              <a:spAutoFit/>
+            </a:bodyPr>
+            <a:lstStyle>
+              <a:defPPr>
+                <a:defRPr lang="fr-FR"/>
+              </a:defPPr>
+              <a:lvl1pPr>
+                <a:defRPr sz="3200" b="0">
+                  <a:latin typeface="Cambria Math" panose="02040503050406030204" pitchFamily="18" charset="0"/>
+                  <a:ea typeface="Cambria Math" panose="02040503050406030204" pitchFamily="18" charset="0"/>
+                </a:defRPr>
+              </a:lvl1pPr>
+            </a:lstStyle>
+            <a:p>
+              <a:r>
+                <a:rPr lang="fr-FR" sz="3600" b="1" dirty="0"/>
+                <a:t>Self(</a:t>
+              </a:r>
+              <a:r>
+                <a:rPr lang="fr-FR" sz="3600" b="1" dirty="0" err="1"/>
+                <a:t>pow,t</a:t>
+              </a:r>
+              <a:r>
+                <a:rPr lang="fr-FR" sz="3600" b="1" dirty="0"/>
+                <a:t>)</a:t>
+              </a:r>
+            </a:p>
+          </p:txBody>
+        </p:sp>
+        <p:cxnSp>
+          <p:nvCxnSpPr>
+            <p:cNvPr id="39" name="Connecteur droit 38"/>
             <p:cNvCxnSpPr>
               <a:cxnSpLocks/>
             </p:cNvCxnSpPr>
@@ -3051,17 +3235,148 @@
           </p:nvCxnSpPr>
           <p:spPr>
             <a:xfrm>
-              <a:off x="1741993" y="1788456"/>
-              <a:ext cx="2407533" cy="0"/>
+              <a:off x="4743846" y="1833940"/>
+              <a:ext cx="1" cy="3640886"/>
+            </a:xfrm>
+            <a:prstGeom prst="line">
+              <a:avLst/>
+            </a:prstGeom>
+            <a:ln w="28575"/>
+          </p:spPr>
+          <p:style>
+            <a:lnRef idx="3">
+              <a:schemeClr val="dk1"/>
+            </a:lnRef>
+            <a:fillRef idx="0">
+              <a:schemeClr val="dk1"/>
+            </a:fillRef>
+            <a:effectRef idx="2">
+              <a:schemeClr val="dk1"/>
+            </a:effectRef>
+            <a:fontRef idx="minor">
+              <a:schemeClr val="tx1"/>
+            </a:fontRef>
+          </p:style>
+        </p:cxnSp>
+        <p:sp>
+          <p:nvSpPr>
+            <p:cNvPr id="40" name="ZoneTexte 39"/>
+            <p:cNvSpPr txBox="1"/>
+            <p:nvPr/>
+          </p:nvSpPr>
+          <p:spPr>
+            <a:xfrm>
+              <a:off x="4486770" y="1262138"/>
+              <a:ext cx="1047915" cy="707886"/>
+            </a:xfrm>
+            <a:prstGeom prst="rect">
+              <a:avLst/>
+            </a:prstGeom>
+            <a:noFill/>
+          </p:spPr>
+          <p:txBody>
+            <a:bodyPr wrap="square" rtlCol="0">
+              <a:spAutoFit/>
+            </a:bodyPr>
+            <a:lstStyle>
+              <a:defPPr>
+                <a:defRPr lang="fr-FR"/>
+              </a:defPPr>
+              <a:lvl1pPr>
+                <a:defRPr sz="3200" b="1"/>
+              </a:lvl1pPr>
+            </a:lstStyle>
+            <a:p>
+              <a:r>
+                <a:rPr lang="el-GR" sz="3600" b="0" dirty="0">
+                  <a:latin typeface="Cambria Math" panose="02040503050406030204" pitchFamily="18" charset="0"/>
+                  <a:ea typeface="Cambria Math" panose="02040503050406030204" pitchFamily="18" charset="0"/>
+                </a:rPr>
+                <a:t> </a:t>
+              </a:r>
+              <a:r>
+                <a:rPr lang="el-GR" sz="4000" dirty="0">
+                  <a:latin typeface="Cambria Math" panose="02040503050406030204" pitchFamily="18" charset="0"/>
+                  <a:ea typeface="Cambria Math" panose="02040503050406030204" pitchFamily="18" charset="0"/>
+                </a:rPr>
+                <a:t>τ</a:t>
+              </a:r>
+              <a:endParaRPr lang="fr-FR" sz="3600" dirty="0">
+                <a:latin typeface="Cambria Math" panose="02040503050406030204" pitchFamily="18" charset="0"/>
+                <a:ea typeface="Cambria Math" panose="02040503050406030204" pitchFamily="18" charset="0"/>
+              </a:endParaRPr>
+            </a:p>
+          </p:txBody>
+        </p:sp>
+        <p:sp>
+          <p:nvSpPr>
+            <p:cNvPr id="28" name="ZoneTexte 27"/>
+            <p:cNvSpPr txBox="1"/>
+            <p:nvPr/>
+          </p:nvSpPr>
+          <p:spPr>
+            <a:xfrm>
+              <a:off x="2208821" y="1387749"/>
+              <a:ext cx="1617069" cy="769441"/>
+            </a:xfrm>
+            <a:prstGeom prst="rect">
+              <a:avLst/>
+            </a:prstGeom>
+            <a:noFill/>
+          </p:spPr>
+          <p:txBody>
+            <a:bodyPr wrap="square" rtlCol="0">
+              <a:spAutoFit/>
+            </a:bodyPr>
+            <a:lstStyle>
+              <a:defPPr>
+                <a:defRPr lang="fr-FR"/>
+              </a:defPPr>
+              <a:lvl1pPr>
+                <a:defRPr sz="3200" b="0">
+                  <a:latin typeface="Cambria Math" panose="02040503050406030204" pitchFamily="18" charset="0"/>
+                  <a:ea typeface="Cambria Math" panose="02040503050406030204" pitchFamily="18" charset="0"/>
+                </a:defRPr>
+              </a:lvl1pPr>
+            </a:lstStyle>
+            <a:p>
+              <a:r>
+                <a:rPr lang="fr-FR" sz="3600" b="1" dirty="0" err="1"/>
+                <a:t>pow</a:t>
+              </a:r>
+              <a:r>
+                <a:rPr lang="fr-FR" sz="4400" b="1" baseline="-25000" dirty="0" err="1"/>
+                <a:t>a</a:t>
+              </a:r>
+              <a:endParaRPr lang="fr-FR" sz="3600" b="1" dirty="0"/>
+            </a:p>
+          </p:txBody>
+        </p:sp>
+        <p:cxnSp>
+          <p:nvCxnSpPr>
+            <p:cNvPr id="14" name="Connecteur droit 13">
+              <a:extLst>
+                <a:ext uri="{FF2B5EF4-FFF2-40B4-BE49-F238E27FC236}">
+                  <a16:creationId xmlns:a16="http://schemas.microsoft.com/office/drawing/2014/main" id="{7FA8AA0A-A662-4573-B97C-CFFCBB38A19D}"/>
+                </a:ext>
+              </a:extLst>
+            </p:cNvPr>
+            <p:cNvCxnSpPr>
+              <a:cxnSpLocks/>
+            </p:cNvCxnSpPr>
+            <p:nvPr/>
+          </p:nvCxnSpPr>
+          <p:spPr>
+            <a:xfrm>
+              <a:off x="2170937" y="3194613"/>
+              <a:ext cx="2572909" cy="0"/>
             </a:xfrm>
             <a:prstGeom prst="line">
               <a:avLst/>
             </a:prstGeom>
             <a:ln w="38100">
               <a:solidFill>
-                <a:schemeClr val="accent5">
-                  <a:lumMod val="75000"/>
-                </a:schemeClr>
+                <a:schemeClr val="accent2"/>
               </a:solidFill>
             </a:ln>
           </p:spPr>
@@ -3082,7 +3397,13 @@
         </p:cxnSp>
         <p:cxnSp>
           <p:nvCxnSpPr>
-            <p:cNvPr id="23" name="Connecteur droit 22"/>
+            <p:cNvPr id="15" name="Connecteur droit 14">
+              <a:extLst>
+                <a:ext uri="{FF2B5EF4-FFF2-40B4-BE49-F238E27FC236}">
+                  <a16:creationId xmlns:a16="http://schemas.microsoft.com/office/drawing/2014/main" id="{95086E38-1269-45E5-A1EB-79DB706AD7A5}"/>
+                </a:ext>
+              </a:extLst>
+            </p:cNvPr>
             <p:cNvCxnSpPr>
               <a:cxnSpLocks/>
             </p:cNvCxnSpPr>
@@ -3090,17 +3411,15 @@
           </p:nvCxnSpPr>
           <p:spPr>
             <a:xfrm>
-              <a:off x="4149526" y="1788456"/>
-              <a:ext cx="4037053" cy="3583011"/>
+              <a:off x="4743846" y="3194613"/>
+              <a:ext cx="2397734" cy="2280213"/>
             </a:xfrm>
             <a:prstGeom prst="line">
               <a:avLst/>
             </a:prstGeom>
             <a:ln w="38100">
               <a:solidFill>
-                <a:schemeClr val="accent5">
-                  <a:lumMod val="75000"/>
-                </a:schemeClr>
+                <a:schemeClr val="accent2"/>
               </a:solidFill>
             </a:ln>
           </p:spPr>
@@ -3119,355 +3438,57 @@
             </a:fontRef>
           </p:style>
         </p:cxnSp>
+        <p:sp>
+          <p:nvSpPr>
+            <p:cNvPr id="22" name="ZoneTexte 21">
+              <a:extLst>
+                <a:ext uri="{FF2B5EF4-FFF2-40B4-BE49-F238E27FC236}">
+                  <a16:creationId xmlns:a16="http://schemas.microsoft.com/office/drawing/2014/main" id="{FE64F2C1-5B29-42A9-BC39-A2EA7F0035C3}"/>
+                </a:ext>
+              </a:extLst>
+            </p:cNvPr>
+            <p:cNvSpPr txBox="1"/>
+            <p:nvPr/>
+          </p:nvSpPr>
+          <p:spPr>
+            <a:xfrm>
+              <a:off x="2276568" y="2445852"/>
+              <a:ext cx="1617069" cy="769441"/>
+            </a:xfrm>
+            <a:prstGeom prst="rect">
+              <a:avLst/>
+            </a:prstGeom>
+            <a:noFill/>
+          </p:spPr>
+          <p:txBody>
+            <a:bodyPr wrap="square" rtlCol="0">
+              <a:spAutoFit/>
+            </a:bodyPr>
+            <a:lstStyle>
+              <a:defPPr>
+                <a:defRPr lang="fr-FR"/>
+              </a:defPPr>
+              <a:lvl1pPr>
+                <a:defRPr sz="3200" b="0">
+                  <a:latin typeface="Cambria Math" panose="02040503050406030204" pitchFamily="18" charset="0"/>
+                  <a:ea typeface="Cambria Math" panose="02040503050406030204" pitchFamily="18" charset="0"/>
+                </a:defRPr>
+              </a:lvl1pPr>
+            </a:lstStyle>
+            <a:p>
+              <a:r>
+                <a:rPr lang="fr-FR" sz="3600" b="1" dirty="0" err="1"/>
+                <a:t>pow</a:t>
+              </a:r>
+              <a:r>
+                <a:rPr lang="fr-FR" sz="4400" b="1" baseline="-25000" dirty="0" err="1"/>
+                <a:t>b</a:t>
+              </a:r>
+              <a:endParaRPr lang="fr-FR" sz="3600" b="1" dirty="0"/>
+            </a:p>
+          </p:txBody>
+        </p:sp>
       </p:grpSp>
-      <p:sp>
-        <p:nvSpPr>
-          <p:cNvPr id="36" name="ZoneTexte 35"/>
-          <p:cNvSpPr txBox="1"/>
-          <p:nvPr/>
-        </p:nvSpPr>
-        <p:spPr>
-          <a:xfrm>
-            <a:off x="9606708" y="5546204"/>
-            <a:ext cx="1064036" cy="707886"/>
-          </a:xfrm>
-          <a:prstGeom prst="rect">
-            <a:avLst/>
-          </a:prstGeom>
-          <a:noFill/>
-        </p:spPr>
-        <p:txBody>
-          <a:bodyPr wrap="square" rtlCol="0">
-            <a:spAutoFit/>
-          </a:bodyPr>
-          <a:lstStyle/>
-          <a:p>
-            <a:r>
-              <a:rPr lang="fr-FR" sz="4000" b="1" dirty="0">
-                <a:latin typeface="Cambria Math" panose="02040503050406030204" pitchFamily="18" charset="0"/>
-                <a:ea typeface="Cambria Math" panose="02040503050406030204" pitchFamily="18" charset="0"/>
-                <a:cs typeface="Arial" panose="020B0604020202020204" pitchFamily="34" charset="0"/>
-              </a:rPr>
-              <a:t>t</a:t>
-            </a:r>
-            <a:endParaRPr lang="fr-FR" sz="2400" b="1" dirty="0">
-              <a:latin typeface="Cambria Math" panose="02040503050406030204" pitchFamily="18" charset="0"/>
-              <a:ea typeface="Cambria Math" panose="02040503050406030204" pitchFamily="18" charset="0"/>
-              <a:cs typeface="Arial" panose="020B0604020202020204" pitchFamily="34" charset="0"/>
-            </a:endParaRPr>
-          </a:p>
-        </p:txBody>
-      </p:sp>
-      <p:sp>
-        <p:nvSpPr>
-          <p:cNvPr id="37" name="ZoneTexte 36"/>
-          <p:cNvSpPr txBox="1"/>
-          <p:nvPr/>
-        </p:nvSpPr>
-        <p:spPr>
-          <a:xfrm>
-            <a:off x="1221220" y="391738"/>
-            <a:ext cx="2939879" cy="646331"/>
-          </a:xfrm>
-          <a:prstGeom prst="rect">
-            <a:avLst/>
-          </a:prstGeom>
-          <a:noFill/>
-        </p:spPr>
-        <p:txBody>
-          <a:bodyPr wrap="square" rtlCol="0">
-            <a:spAutoFit/>
-          </a:bodyPr>
-          <a:lstStyle>
-            <a:defPPr>
-              <a:defRPr lang="fr-FR"/>
-            </a:defPPr>
-            <a:lvl1pPr>
-              <a:defRPr sz="3200" b="0">
-                <a:latin typeface="Cambria Math" panose="02040503050406030204" pitchFamily="18" charset="0"/>
-                <a:ea typeface="Cambria Math" panose="02040503050406030204" pitchFamily="18" charset="0"/>
-              </a:defRPr>
-            </a:lvl1pPr>
-          </a:lstStyle>
-          <a:p>
-            <a:r>
-              <a:rPr lang="fr-FR" sz="3600" b="1" dirty="0"/>
-              <a:t>Self(</a:t>
-            </a:r>
-            <a:r>
-              <a:rPr lang="fr-FR" sz="3600" b="1" dirty="0" err="1"/>
-              <a:t>pow,t</a:t>
-            </a:r>
-            <a:r>
-              <a:rPr lang="fr-FR" sz="3600" b="1" dirty="0"/>
-              <a:t>)</a:t>
-            </a:r>
-          </a:p>
-        </p:txBody>
-      </p:sp>
-      <p:cxnSp>
-        <p:nvCxnSpPr>
-          <p:cNvPr id="39" name="Connecteur droit 38"/>
-          <p:cNvCxnSpPr>
-            <a:cxnSpLocks/>
-          </p:cNvCxnSpPr>
-          <p:nvPr/>
-        </p:nvCxnSpPr>
-        <p:spPr>
-          <a:xfrm>
-            <a:off x="4743846" y="1833940"/>
-            <a:ext cx="1" cy="3640886"/>
-          </a:xfrm>
-          <a:prstGeom prst="line">
-            <a:avLst/>
-          </a:prstGeom>
-          <a:ln w="28575"/>
-        </p:spPr>
-        <p:style>
-          <a:lnRef idx="3">
-            <a:schemeClr val="dk1"/>
-          </a:lnRef>
-          <a:fillRef idx="0">
-            <a:schemeClr val="dk1"/>
-          </a:fillRef>
-          <a:effectRef idx="2">
-            <a:schemeClr val="dk1"/>
-          </a:effectRef>
-          <a:fontRef idx="minor">
-            <a:schemeClr val="tx1"/>
-          </a:fontRef>
-        </p:style>
-      </p:cxnSp>
-      <p:sp>
-        <p:nvSpPr>
-          <p:cNvPr id="40" name="ZoneTexte 39"/>
-          <p:cNvSpPr txBox="1"/>
-          <p:nvPr/>
-        </p:nvSpPr>
-        <p:spPr>
-          <a:xfrm>
-            <a:off x="4486770" y="1262138"/>
-            <a:ext cx="1047915" cy="707886"/>
-          </a:xfrm>
-          <a:prstGeom prst="rect">
-            <a:avLst/>
-          </a:prstGeom>
-          <a:noFill/>
-        </p:spPr>
-        <p:txBody>
-          <a:bodyPr wrap="square" rtlCol="0">
-            <a:spAutoFit/>
-          </a:bodyPr>
-          <a:lstStyle>
-            <a:defPPr>
-              <a:defRPr lang="fr-FR"/>
-            </a:defPPr>
-            <a:lvl1pPr>
-              <a:defRPr sz="3200" b="1"/>
-            </a:lvl1pPr>
-          </a:lstStyle>
-          <a:p>
-            <a:r>
-              <a:rPr lang="el-GR" sz="3600" b="0" dirty="0">
-                <a:latin typeface="Cambria Math" panose="02040503050406030204" pitchFamily="18" charset="0"/>
-                <a:ea typeface="Cambria Math" panose="02040503050406030204" pitchFamily="18" charset="0"/>
-              </a:rPr>
-              <a:t> </a:t>
-            </a:r>
-            <a:r>
-              <a:rPr lang="el-GR" sz="4000" dirty="0">
-                <a:latin typeface="Cambria Math" panose="02040503050406030204" pitchFamily="18" charset="0"/>
-                <a:ea typeface="Cambria Math" panose="02040503050406030204" pitchFamily="18" charset="0"/>
-              </a:rPr>
-              <a:t>τ</a:t>
-            </a:r>
-            <a:endParaRPr lang="fr-FR" sz="3600" dirty="0">
-              <a:latin typeface="Cambria Math" panose="02040503050406030204" pitchFamily="18" charset="0"/>
-              <a:ea typeface="Cambria Math" panose="02040503050406030204" pitchFamily="18" charset="0"/>
-            </a:endParaRPr>
-          </a:p>
-        </p:txBody>
-      </p:sp>
-      <p:sp>
-        <p:nvSpPr>
-          <p:cNvPr id="28" name="ZoneTexte 27"/>
-          <p:cNvSpPr txBox="1"/>
-          <p:nvPr/>
-        </p:nvSpPr>
-        <p:spPr>
-          <a:xfrm>
-            <a:off x="2208821" y="1387749"/>
-            <a:ext cx="1617069" cy="769441"/>
-          </a:xfrm>
-          <a:prstGeom prst="rect">
-            <a:avLst/>
-          </a:prstGeom>
-          <a:noFill/>
-        </p:spPr>
-        <p:txBody>
-          <a:bodyPr wrap="square" rtlCol="0">
-            <a:spAutoFit/>
-          </a:bodyPr>
-          <a:lstStyle>
-            <a:defPPr>
-              <a:defRPr lang="fr-FR"/>
-            </a:defPPr>
-            <a:lvl1pPr>
-              <a:defRPr sz="3200" b="0">
-                <a:latin typeface="Cambria Math" panose="02040503050406030204" pitchFamily="18" charset="0"/>
-                <a:ea typeface="Cambria Math" panose="02040503050406030204" pitchFamily="18" charset="0"/>
-              </a:defRPr>
-            </a:lvl1pPr>
-          </a:lstStyle>
-          <a:p>
-            <a:r>
-              <a:rPr lang="fr-FR" sz="3600" b="1" dirty="0" err="1"/>
-              <a:t>pow</a:t>
-            </a:r>
-            <a:r>
-              <a:rPr lang="fr-FR" sz="4400" b="1" baseline="-25000" dirty="0" err="1"/>
-              <a:t>a</a:t>
-            </a:r>
-            <a:endParaRPr lang="fr-FR" sz="3600" b="1" dirty="0"/>
-          </a:p>
-        </p:txBody>
-      </p:sp>
-      <p:cxnSp>
-        <p:nvCxnSpPr>
-          <p:cNvPr id="14" name="Connecteur droit 13">
-            <a:extLst>
-              <a:ext uri="{FF2B5EF4-FFF2-40B4-BE49-F238E27FC236}">
-                <a16:creationId xmlns:a16="http://schemas.microsoft.com/office/drawing/2014/main" id="{7FA8AA0A-A662-4573-B97C-CFFCBB38A19D}"/>
-              </a:ext>
-            </a:extLst>
-          </p:cNvPr>
-          <p:cNvCxnSpPr>
-            <a:cxnSpLocks/>
-          </p:cNvCxnSpPr>
-          <p:nvPr/>
-        </p:nvCxnSpPr>
-        <p:spPr>
-          <a:xfrm>
-            <a:off x="2170937" y="3194613"/>
-            <a:ext cx="2572909" cy="0"/>
-          </a:xfrm>
-          <a:prstGeom prst="line">
-            <a:avLst/>
-          </a:prstGeom>
-          <a:ln w="38100">
-            <a:solidFill>
-              <a:schemeClr val="accent2"/>
-            </a:solidFill>
-          </a:ln>
-        </p:spPr>
-        <p:style>
-          <a:lnRef idx="1">
-            <a:schemeClr val="accent1"/>
-          </a:lnRef>
-          <a:fillRef idx="0">
-            <a:schemeClr val="accent1"/>
-          </a:fillRef>
-          <a:effectRef idx="0">
-            <a:schemeClr val="accent1"/>
-          </a:effectRef>
-          <a:fontRef idx="minor">
-            <a:schemeClr val="tx1"/>
-          </a:fontRef>
-        </p:style>
-      </p:cxnSp>
-      <p:cxnSp>
-        <p:nvCxnSpPr>
-          <p:cNvPr id="15" name="Connecteur droit 14">
-            <a:extLst>
-              <a:ext uri="{FF2B5EF4-FFF2-40B4-BE49-F238E27FC236}">
-                <a16:creationId xmlns:a16="http://schemas.microsoft.com/office/drawing/2014/main" id="{95086E38-1269-45E5-A1EB-79DB706AD7A5}"/>
-              </a:ext>
-            </a:extLst>
-          </p:cNvPr>
-          <p:cNvCxnSpPr>
-            <a:cxnSpLocks/>
-          </p:cNvCxnSpPr>
-          <p:nvPr/>
-        </p:nvCxnSpPr>
-        <p:spPr>
-          <a:xfrm>
-            <a:off x="4743846" y="3194613"/>
-            <a:ext cx="2397734" cy="2280213"/>
-          </a:xfrm>
-          <a:prstGeom prst="line">
-            <a:avLst/>
-          </a:prstGeom>
-          <a:ln w="38100">
-            <a:solidFill>
-              <a:schemeClr val="accent2"/>
-            </a:solidFill>
-          </a:ln>
-        </p:spPr>
-        <p:style>
-          <a:lnRef idx="1">
-            <a:schemeClr val="accent1"/>
-          </a:lnRef>
-          <a:fillRef idx="0">
-            <a:schemeClr val="accent1"/>
-          </a:fillRef>
-          <a:effectRef idx="0">
-            <a:schemeClr val="accent1"/>
-          </a:effectRef>
-          <a:fontRef idx="minor">
-            <a:schemeClr val="tx1"/>
-          </a:fontRef>
-        </p:style>
-      </p:cxnSp>
-      <p:sp>
-        <p:nvSpPr>
-          <p:cNvPr id="22" name="ZoneTexte 21">
-            <a:extLst>
-              <a:ext uri="{FF2B5EF4-FFF2-40B4-BE49-F238E27FC236}">
-                <a16:creationId xmlns:a16="http://schemas.microsoft.com/office/drawing/2014/main" id="{FE64F2C1-5B29-42A9-BC39-A2EA7F0035C3}"/>
-              </a:ext>
-            </a:extLst>
-          </p:cNvPr>
-          <p:cNvSpPr txBox="1"/>
-          <p:nvPr/>
-        </p:nvSpPr>
-        <p:spPr>
-          <a:xfrm>
-            <a:off x="2276568" y="2445852"/>
-            <a:ext cx="1617069" cy="769441"/>
-          </a:xfrm>
-          <a:prstGeom prst="rect">
-            <a:avLst/>
-          </a:prstGeom>
-          <a:noFill/>
-        </p:spPr>
-        <p:txBody>
-          <a:bodyPr wrap="square" rtlCol="0">
-            <a:spAutoFit/>
-          </a:bodyPr>
-          <a:lstStyle>
-            <a:defPPr>
-              <a:defRPr lang="fr-FR"/>
-            </a:defPPr>
-            <a:lvl1pPr>
-              <a:defRPr sz="3200" b="0">
-                <a:latin typeface="Cambria Math" panose="02040503050406030204" pitchFamily="18" charset="0"/>
-                <a:ea typeface="Cambria Math" panose="02040503050406030204" pitchFamily="18" charset="0"/>
-              </a:defRPr>
-            </a:lvl1pPr>
-          </a:lstStyle>
-          <a:p>
-            <a:r>
-              <a:rPr lang="fr-FR" sz="3600" b="1" dirty="0" err="1"/>
-              <a:t>pow</a:t>
-            </a:r>
-            <a:r>
-              <a:rPr lang="fr-FR" sz="4400" b="1" baseline="-25000" dirty="0" err="1"/>
-              <a:t>b</a:t>
-            </a:r>
-            <a:endParaRPr lang="fr-FR" sz="3600" b="1" dirty="0"/>
-          </a:p>
-        </p:txBody>
-      </p:sp>
     </p:spTree>
     <p:extLst>
       <p:ext uri="{BB962C8B-B14F-4D97-AF65-F5344CB8AC3E}">
